--- a/HINS_MCU_V3.1_M/doc/Madgwick 姿態算法.pptx
+++ b/HINS_MCU_V3.1_M/doc/Madgwick 姿態算法.pptx
@@ -5,23 +5,24 @@
     <p:sldMasterId id="2147483648" r:id="rId1"/>
   </p:sldMasterIdLst>
   <p:sldIdLst>
-    <p:sldId id="256" r:id="rId2"/>
-    <p:sldId id="257" r:id="rId3"/>
-    <p:sldId id="258" r:id="rId4"/>
-    <p:sldId id="259" r:id="rId5"/>
-    <p:sldId id="260" r:id="rId6"/>
-    <p:sldId id="261" r:id="rId7"/>
-    <p:sldId id="262" r:id="rId8"/>
-    <p:sldId id="263" r:id="rId9"/>
-    <p:sldId id="269" r:id="rId10"/>
-    <p:sldId id="264" r:id="rId11"/>
-    <p:sldId id="265" r:id="rId12"/>
-    <p:sldId id="266" r:id="rId13"/>
-    <p:sldId id="267" r:id="rId14"/>
-    <p:sldId id="268" r:id="rId15"/>
-    <p:sldId id="270" r:id="rId16"/>
-    <p:sldId id="271" r:id="rId17"/>
-    <p:sldId id="272" r:id="rId18"/>
+    <p:sldId id="273" r:id="rId2"/>
+    <p:sldId id="256" r:id="rId3"/>
+    <p:sldId id="257" r:id="rId4"/>
+    <p:sldId id="258" r:id="rId5"/>
+    <p:sldId id="259" r:id="rId6"/>
+    <p:sldId id="260" r:id="rId7"/>
+    <p:sldId id="261" r:id="rId8"/>
+    <p:sldId id="262" r:id="rId9"/>
+    <p:sldId id="263" r:id="rId10"/>
+    <p:sldId id="269" r:id="rId11"/>
+    <p:sldId id="264" r:id="rId12"/>
+    <p:sldId id="265" r:id="rId13"/>
+    <p:sldId id="266" r:id="rId14"/>
+    <p:sldId id="267" r:id="rId15"/>
+    <p:sldId id="268" r:id="rId16"/>
+    <p:sldId id="270" r:id="rId17"/>
+    <p:sldId id="271" r:id="rId18"/>
+    <p:sldId id="272" r:id="rId19"/>
   </p:sldIdLst>
   <p:sldSz cx="12192000" cy="6858000"/>
   <p:notesSz cx="6858000" cy="9144000"/>
@@ -275,7 +276,7 @@
           <a:p>
             <a:fld id="{11246039-F39E-402B-AA7C-A1BF0BC933A9}" type="datetimeFigureOut">
               <a:rPr lang="zh-TW" altLang="en-US" smtClean="0"/>
-              <a:t>2026/1/11</a:t>
+              <a:t>2026/1/12</a:t>
             </a:fld>
             <a:endParaRPr lang="zh-TW" altLang="en-US"/>
           </a:p>
@@ -473,7 +474,7 @@
           <a:p>
             <a:fld id="{11246039-F39E-402B-AA7C-A1BF0BC933A9}" type="datetimeFigureOut">
               <a:rPr lang="zh-TW" altLang="en-US" smtClean="0"/>
-              <a:t>2026/1/11</a:t>
+              <a:t>2026/1/12</a:t>
             </a:fld>
             <a:endParaRPr lang="zh-TW" altLang="en-US"/>
           </a:p>
@@ -681,7 +682,7 @@
           <a:p>
             <a:fld id="{11246039-F39E-402B-AA7C-A1BF0BC933A9}" type="datetimeFigureOut">
               <a:rPr lang="zh-TW" altLang="en-US" smtClean="0"/>
-              <a:t>2026/1/11</a:t>
+              <a:t>2026/1/12</a:t>
             </a:fld>
             <a:endParaRPr lang="zh-TW" altLang="en-US"/>
           </a:p>
@@ -879,7 +880,7 @@
           <a:p>
             <a:fld id="{11246039-F39E-402B-AA7C-A1BF0BC933A9}" type="datetimeFigureOut">
               <a:rPr lang="zh-TW" altLang="en-US" smtClean="0"/>
-              <a:t>2026/1/11</a:t>
+              <a:t>2026/1/12</a:t>
             </a:fld>
             <a:endParaRPr lang="zh-TW" altLang="en-US"/>
           </a:p>
@@ -1154,7 +1155,7 @@
           <a:p>
             <a:fld id="{11246039-F39E-402B-AA7C-A1BF0BC933A9}" type="datetimeFigureOut">
               <a:rPr lang="zh-TW" altLang="en-US" smtClean="0"/>
-              <a:t>2026/1/11</a:t>
+              <a:t>2026/1/12</a:t>
             </a:fld>
             <a:endParaRPr lang="zh-TW" altLang="en-US"/>
           </a:p>
@@ -1419,7 +1420,7 @@
           <a:p>
             <a:fld id="{11246039-F39E-402B-AA7C-A1BF0BC933A9}" type="datetimeFigureOut">
               <a:rPr lang="zh-TW" altLang="en-US" smtClean="0"/>
-              <a:t>2026/1/11</a:t>
+              <a:t>2026/1/12</a:t>
             </a:fld>
             <a:endParaRPr lang="zh-TW" altLang="en-US"/>
           </a:p>
@@ -1831,7 +1832,7 @@
           <a:p>
             <a:fld id="{11246039-F39E-402B-AA7C-A1BF0BC933A9}" type="datetimeFigureOut">
               <a:rPr lang="zh-TW" altLang="en-US" smtClean="0"/>
-              <a:t>2026/1/11</a:t>
+              <a:t>2026/1/12</a:t>
             </a:fld>
             <a:endParaRPr lang="zh-TW" altLang="en-US"/>
           </a:p>
@@ -1972,7 +1973,7 @@
           <a:p>
             <a:fld id="{11246039-F39E-402B-AA7C-A1BF0BC933A9}" type="datetimeFigureOut">
               <a:rPr lang="zh-TW" altLang="en-US" smtClean="0"/>
-              <a:t>2026/1/11</a:t>
+              <a:t>2026/1/12</a:t>
             </a:fld>
             <a:endParaRPr lang="zh-TW" altLang="en-US"/>
           </a:p>
@@ -2085,7 +2086,7 @@
           <a:p>
             <a:fld id="{11246039-F39E-402B-AA7C-A1BF0BC933A9}" type="datetimeFigureOut">
               <a:rPr lang="zh-TW" altLang="en-US" smtClean="0"/>
-              <a:t>2026/1/11</a:t>
+              <a:t>2026/1/12</a:t>
             </a:fld>
             <a:endParaRPr lang="zh-TW" altLang="en-US"/>
           </a:p>
@@ -2396,7 +2397,7 @@
           <a:p>
             <a:fld id="{11246039-F39E-402B-AA7C-A1BF0BC933A9}" type="datetimeFigureOut">
               <a:rPr lang="zh-TW" altLang="en-US" smtClean="0"/>
-              <a:t>2026/1/11</a:t>
+              <a:t>2026/1/12</a:t>
             </a:fld>
             <a:endParaRPr lang="zh-TW" altLang="en-US"/>
           </a:p>
@@ -2684,7 +2685,7 @@
           <a:p>
             <a:fld id="{11246039-F39E-402B-AA7C-A1BF0BC933A9}" type="datetimeFigureOut">
               <a:rPr lang="zh-TW" altLang="en-US" smtClean="0"/>
-              <a:t>2026/1/11</a:t>
+              <a:t>2026/1/12</a:t>
             </a:fld>
             <a:endParaRPr lang="zh-TW" altLang="en-US"/>
           </a:p>
@@ -2925,7 +2926,7 @@
           <a:p>
             <a:fld id="{11246039-F39E-402B-AA7C-A1BF0BC933A9}" type="datetimeFigureOut">
               <a:rPr lang="zh-TW" altLang="en-US" smtClean="0"/>
-              <a:t>2026/1/11</a:t>
+              <a:t>2026/1/12</a:t>
             </a:fld>
             <a:endParaRPr lang="zh-TW" altLang="en-US"/>
           </a:p>
@@ -3342,12 +3343,331 @@
           <a:chExt cx="0" cy="0"/>
         </a:xfrm>
       </p:grpSpPr>
+      <p:sp>
+        <p:nvSpPr>
+          <p:cNvPr id="4" name="文字方塊 3">
+            <a:extLst>
+              <a:ext uri="{FF2B5EF4-FFF2-40B4-BE49-F238E27FC236}">
+                <a16:creationId xmlns:a16="http://schemas.microsoft.com/office/drawing/2014/main" id="{822332D2-A676-AFCC-A985-19DD2D9A1B7A}"/>
+              </a:ext>
+            </a:extLst>
+          </p:cNvPr>
+          <p:cNvSpPr txBox="1"/>
+          <p:nvPr/>
+        </p:nvSpPr>
+        <p:spPr>
+          <a:xfrm>
+            <a:off x="735495" y="347870"/>
+            <a:ext cx="9284914" cy="1477328"/>
+          </a:xfrm>
+          <a:prstGeom prst="rect">
+            <a:avLst/>
+          </a:prstGeom>
+          <a:noFill/>
+        </p:spPr>
+        <p:txBody>
+          <a:bodyPr wrap="none" rtlCol="0">
+            <a:spAutoFit/>
+          </a:bodyPr>
+          <a:lstStyle/>
+          <a:p>
+            <a:r>
+              <a:rPr lang="zh-TW" altLang="en-US" dirty="0">
+                <a:latin typeface="微軟正黑體" panose="020B0604030504040204" pitchFamily="34" charset="-120"/>
+                <a:ea typeface="微軟正黑體" panose="020B0604030504040204" pitchFamily="34" charset="-120"/>
+              </a:rPr>
+              <a:t>使用方法</a:t>
+            </a:r>
+            <a:r>
+              <a:rPr lang="en-US" altLang="zh-TW" dirty="0">
+                <a:latin typeface="微軟正黑體" panose="020B0604030504040204" pitchFamily="34" charset="-120"/>
+                <a:ea typeface="微軟正黑體" panose="020B0604030504040204" pitchFamily="34" charset="-120"/>
+              </a:rPr>
+              <a:t>:</a:t>
+            </a:r>
+          </a:p>
+          <a:p>
+            <a:pPr marL="342900" indent="-342900">
+              <a:buAutoNum type="arabicPeriod"/>
+            </a:pPr>
+            <a:r>
+              <a:rPr lang="zh-TW" altLang="en-US" dirty="0">
+                <a:latin typeface="微軟正黑體" panose="020B0604030504040204" pitchFamily="34" charset="-120"/>
+                <a:ea typeface="微軟正黑體" panose="020B0604030504040204" pitchFamily="34" charset="-120"/>
+              </a:rPr>
+              <a:t>主程式 </a:t>
+            </a:r>
+            <a:r>
+              <a:rPr lang="en-US" altLang="zh-TW" dirty="0">
+                <a:latin typeface="微軟正黑體" panose="020B0604030504040204" pitchFamily="34" charset="-120"/>
+                <a:ea typeface="微軟正黑體" panose="020B0604030504040204" pitchFamily="34" charset="-120"/>
+              </a:rPr>
+              <a:t>setup() </a:t>
+            </a:r>
+            <a:r>
+              <a:rPr lang="en-US" altLang="zh-TW" dirty="0" err="1">
+                <a:latin typeface="微軟正黑體" panose="020B0604030504040204" pitchFamily="34" charset="-120"/>
+                <a:ea typeface="微軟正黑體" panose="020B0604030504040204" pitchFamily="34" charset="-120"/>
+              </a:rPr>
+              <a:t>ahrs_attitude.init</a:t>
+            </a:r>
+            <a:r>
+              <a:rPr lang="en-US" altLang="zh-TW" dirty="0">
+                <a:latin typeface="微軟正黑體" panose="020B0604030504040204" pitchFamily="34" charset="-120"/>
+                <a:ea typeface="微軟正黑體" panose="020B0604030504040204" pitchFamily="34" charset="-120"/>
+              </a:rPr>
+              <a:t>(100.0f); </a:t>
+            </a:r>
+            <a:r>
+              <a:rPr lang="zh-TW" altLang="en-US" dirty="0">
+                <a:latin typeface="微軟正黑體" panose="020B0604030504040204" pitchFamily="34" charset="-120"/>
+                <a:ea typeface="微軟正黑體" panose="020B0604030504040204" pitchFamily="34" charset="-120"/>
+              </a:rPr>
+              <a:t>進入</a:t>
+            </a:r>
+            <a:endParaRPr lang="en-US" altLang="zh-TW" dirty="0">
+              <a:latin typeface="微軟正黑體" panose="020B0604030504040204" pitchFamily="34" charset="-120"/>
+              <a:ea typeface="微軟正黑體" panose="020B0604030504040204" pitchFamily="34" charset="-120"/>
+            </a:endParaRPr>
+          </a:p>
+          <a:p>
+            <a:pPr marL="342900" indent="-342900">
+              <a:buAutoNum type="arabicPeriod"/>
+            </a:pPr>
+            <a:r>
+              <a:rPr lang="zh-TW" altLang="en-US" dirty="0">
+                <a:latin typeface="微軟正黑體" panose="020B0604030504040204" pitchFamily="34" charset="-120"/>
+                <a:ea typeface="微軟正黑體" panose="020B0604030504040204" pitchFamily="34" charset="-120"/>
+              </a:rPr>
+              <a:t>下圖處，</a:t>
+            </a:r>
+            <a:r>
+              <a:rPr lang="en-US" altLang="zh-TW" dirty="0" err="1">
+                <a:latin typeface="微軟正黑體" panose="020B0604030504040204" pitchFamily="34" charset="-120"/>
+                <a:ea typeface="微軟正黑體" panose="020B0604030504040204" pitchFamily="34" charset="-120"/>
+              </a:rPr>
+              <a:t>Rcs</a:t>
+            </a:r>
+            <a:r>
+              <a:rPr lang="en-US" altLang="zh-TW" dirty="0">
+                <a:latin typeface="微軟正黑體" panose="020B0604030504040204" pitchFamily="34" charset="-120"/>
+                <a:ea typeface="微軟正黑體" panose="020B0604030504040204" pitchFamily="34" charset="-120"/>
+              </a:rPr>
+              <a:t> </a:t>
+            </a:r>
+            <a:r>
+              <a:rPr lang="zh-TW" altLang="en-US" dirty="0">
+                <a:latin typeface="微軟正黑體" panose="020B0604030504040204" pitchFamily="34" charset="-120"/>
+                <a:ea typeface="微軟正黑體" panose="020B0604030504040204" pitchFamily="34" charset="-120"/>
+              </a:rPr>
+              <a:t>設定 </a:t>
+            </a:r>
+            <a:r>
+              <a:rPr lang="en-US" altLang="zh-TW" dirty="0">
+                <a:latin typeface="微軟正黑體" panose="020B0604030504040204" pitchFamily="34" charset="-120"/>
+                <a:ea typeface="微軟正黑體" panose="020B0604030504040204" pitchFamily="34" charset="-120"/>
+              </a:rPr>
+              <a:t>Sensor frame </a:t>
+            </a:r>
+            <a:r>
+              <a:rPr lang="zh-TW" altLang="en-US" dirty="0">
+                <a:latin typeface="微軟正黑體" panose="020B0604030504040204" pitchFamily="34" charset="-120"/>
+                <a:ea typeface="微軟正黑體" panose="020B0604030504040204" pitchFamily="34" charset="-120"/>
+              </a:rPr>
+              <a:t>與 </a:t>
+            </a:r>
+            <a:r>
+              <a:rPr lang="en-US" altLang="zh-TW" dirty="0">
+                <a:latin typeface="微軟正黑體" panose="020B0604030504040204" pitchFamily="34" charset="-120"/>
+                <a:ea typeface="微軟正黑體" panose="020B0604030504040204" pitchFamily="34" charset="-120"/>
+              </a:rPr>
+              <a:t>Case frame </a:t>
+            </a:r>
+            <a:r>
+              <a:rPr lang="zh-TW" altLang="en-US" dirty="0">
+                <a:latin typeface="微軟正黑體" panose="020B0604030504040204" pitchFamily="34" charset="-120"/>
+                <a:ea typeface="微軟正黑體" panose="020B0604030504040204" pitchFamily="34" charset="-120"/>
+              </a:rPr>
+              <a:t>間轉換，讓</a:t>
+            </a:r>
+            <a:r>
+              <a:rPr lang="en-US" altLang="zh-TW" dirty="0">
+                <a:latin typeface="微軟正黑體" panose="020B0604030504040204" pitchFamily="34" charset="-120"/>
+                <a:ea typeface="微軟正黑體" panose="020B0604030504040204" pitchFamily="34" charset="-120"/>
+              </a:rPr>
+              <a:t> Case </a:t>
+            </a:r>
+            <a:r>
+              <a:rPr lang="zh-TW" altLang="en-US" dirty="0">
+                <a:latin typeface="微軟正黑體" panose="020B0604030504040204" pitchFamily="34" charset="-120"/>
+                <a:ea typeface="微軟正黑體" panose="020B0604030504040204" pitchFamily="34" charset="-120"/>
+              </a:rPr>
+              <a:t>與 </a:t>
+            </a:r>
+            <a:r>
+              <a:rPr lang="en-US" altLang="zh-TW" dirty="0">
+                <a:latin typeface="微軟正黑體" panose="020B0604030504040204" pitchFamily="34" charset="-120"/>
+                <a:ea typeface="微軟正黑體" panose="020B0604030504040204" pitchFamily="34" charset="-120"/>
+              </a:rPr>
+              <a:t>Local frame </a:t>
+            </a:r>
+            <a:r>
+              <a:rPr lang="zh-TW" altLang="en-US" dirty="0">
+                <a:latin typeface="微軟正黑體" panose="020B0604030504040204" pitchFamily="34" charset="-120"/>
+                <a:ea typeface="微軟正黑體" panose="020B0604030504040204" pitchFamily="34" charset="-120"/>
+              </a:rPr>
+              <a:t>相等</a:t>
+            </a:r>
+            <a:endParaRPr lang="en-US" altLang="zh-TW" dirty="0">
+              <a:latin typeface="微軟正黑體" panose="020B0604030504040204" pitchFamily="34" charset="-120"/>
+              <a:ea typeface="微軟正黑體" panose="020B0604030504040204" pitchFamily="34" charset="-120"/>
+            </a:endParaRPr>
+          </a:p>
+          <a:p>
+            <a:pPr marL="342900" indent="-342900">
+              <a:buAutoNum type="arabicPeriod"/>
+            </a:pPr>
+            <a:r>
+              <a:rPr lang="zh-TW" altLang="en-US" dirty="0">
+                <a:latin typeface="微軟正黑體" panose="020B0604030504040204" pitchFamily="34" charset="-120"/>
+                <a:ea typeface="微軟正黑體" panose="020B0604030504040204" pitchFamily="34" charset="-120"/>
+              </a:rPr>
+              <a:t> </a:t>
+            </a:r>
+            <a:r>
+              <a:rPr lang="en-US" altLang="zh-TW" dirty="0" err="1">
+                <a:latin typeface="微軟正黑體" panose="020B0604030504040204" pitchFamily="34" charset="-120"/>
+                <a:ea typeface="微軟正黑體" panose="020B0604030504040204" pitchFamily="34" charset="-120"/>
+              </a:rPr>
+              <a:t>setLocalFrameNED</a:t>
+            </a:r>
+            <a:r>
+              <a:rPr lang="en-US" altLang="zh-TW" dirty="0">
+                <a:latin typeface="微軟正黑體" panose="020B0604030504040204" pitchFamily="34" charset="-120"/>
+                <a:ea typeface="微軟正黑體" panose="020B0604030504040204" pitchFamily="34" charset="-120"/>
+              </a:rPr>
+              <a:t> </a:t>
+            </a:r>
+            <a:r>
+              <a:rPr lang="zh-TW" altLang="en-US" dirty="0">
+                <a:latin typeface="微軟正黑體" panose="020B0604030504040204" pitchFamily="34" charset="-120"/>
+                <a:ea typeface="微軟正黑體" panose="020B0604030504040204" pitchFamily="34" charset="-120"/>
+              </a:rPr>
+              <a:t>用來設定 </a:t>
+            </a:r>
+            <a:r>
+              <a:rPr lang="en-US" altLang="zh-TW" dirty="0">
+                <a:latin typeface="微軟正黑體" panose="020B0604030504040204" pitchFamily="34" charset="-120"/>
+                <a:ea typeface="微軟正黑體" panose="020B0604030504040204" pitchFamily="34" charset="-120"/>
+              </a:rPr>
+              <a:t>Local frame, </a:t>
+            </a:r>
+            <a:r>
+              <a:rPr lang="zh-TW" altLang="en-US" dirty="0">
+                <a:latin typeface="微軟正黑體" panose="020B0604030504040204" pitchFamily="34" charset="-120"/>
+                <a:ea typeface="微軟正黑體" panose="020B0604030504040204" pitchFamily="34" charset="-120"/>
+              </a:rPr>
+              <a:t>目前只有 </a:t>
+            </a:r>
+            <a:r>
+              <a:rPr lang="en-US" altLang="zh-TW" dirty="0">
+                <a:latin typeface="微軟正黑體" panose="020B0604030504040204" pitchFamily="34" charset="-120"/>
+                <a:ea typeface="微軟正黑體" panose="020B0604030504040204" pitchFamily="34" charset="-120"/>
+              </a:rPr>
+              <a:t>NED</a:t>
+            </a:r>
+            <a:r>
+              <a:rPr lang="zh-TW" altLang="en-US" dirty="0">
+                <a:latin typeface="微軟正黑體" panose="020B0604030504040204" pitchFamily="34" charset="-120"/>
+                <a:ea typeface="微軟正黑體" panose="020B0604030504040204" pitchFamily="34" charset="-120"/>
+              </a:rPr>
+              <a:t> 與 </a:t>
+            </a:r>
+            <a:r>
+              <a:rPr lang="en-US" altLang="zh-TW" dirty="0">
+                <a:latin typeface="微軟正黑體" panose="020B0604030504040204" pitchFamily="34" charset="-120"/>
+                <a:ea typeface="微軟正黑體" panose="020B0604030504040204" pitchFamily="34" charset="-120"/>
+              </a:rPr>
+              <a:t>ENU</a:t>
+            </a:r>
+            <a:r>
+              <a:rPr lang="zh-TW" altLang="en-US" dirty="0">
+                <a:latin typeface="微軟正黑體" panose="020B0604030504040204" pitchFamily="34" charset="-120"/>
+                <a:ea typeface="微軟正黑體" panose="020B0604030504040204" pitchFamily="34" charset="-120"/>
+              </a:rPr>
+              <a:t> 兩種選擇</a:t>
+            </a:r>
+            <a:endParaRPr lang="en-US" altLang="zh-TW" dirty="0">
+              <a:latin typeface="微軟正黑體" panose="020B0604030504040204" pitchFamily="34" charset="-120"/>
+              <a:ea typeface="微軟正黑體" panose="020B0604030504040204" pitchFamily="34" charset="-120"/>
+            </a:endParaRPr>
+          </a:p>
+          <a:p>
+            <a:pPr marL="342900" indent="-342900">
+              <a:buAutoNum type="arabicPeriod"/>
+            </a:pPr>
+            <a:r>
+              <a:rPr lang="zh-TW" altLang="en-US" dirty="0">
+                <a:latin typeface="微軟正黑體" panose="020B0604030504040204" pitchFamily="34" charset="-120"/>
+                <a:ea typeface="微軟正黑體" panose="020B0604030504040204" pitchFamily="34" charset="-120"/>
+              </a:rPr>
+              <a:t>設定完後 </a:t>
+            </a:r>
+            <a:r>
+              <a:rPr lang="en-US" altLang="zh-TW" dirty="0">
+                <a:latin typeface="微軟正黑體" panose="020B0604030504040204" pitchFamily="34" charset="-120"/>
+                <a:ea typeface="微軟正黑體" panose="020B0604030504040204" pitchFamily="34" charset="-120"/>
+              </a:rPr>
+              <a:t>python </a:t>
+            </a:r>
+            <a:r>
+              <a:rPr lang="zh-TW" altLang="en-US" dirty="0">
+                <a:latin typeface="微軟正黑體" panose="020B0604030504040204" pitchFamily="34" charset="-120"/>
+                <a:ea typeface="微軟正黑體" panose="020B0604030504040204" pitchFamily="34" charset="-120"/>
+              </a:rPr>
+              <a:t>裡的 </a:t>
+            </a:r>
+            <a:r>
+              <a:rPr lang="en-US" altLang="zh-TW" dirty="0">
+                <a:latin typeface="微軟正黑體" panose="020B0604030504040204" pitchFamily="34" charset="-120"/>
+                <a:ea typeface="微軟正黑體" panose="020B0604030504040204" pitchFamily="34" charset="-120"/>
+              </a:rPr>
+              <a:t>main </a:t>
+            </a:r>
+            <a:r>
+              <a:rPr lang="zh-TW" altLang="en-US" dirty="0">
+                <a:latin typeface="微軟正黑體" panose="020B0604030504040204" pitchFamily="34" charset="-120"/>
+                <a:ea typeface="微軟正黑體" panose="020B0604030504040204" pitchFamily="34" charset="-120"/>
+              </a:rPr>
+              <a:t>記得也要同步更改 </a:t>
+            </a:r>
+            <a:r>
+              <a:rPr lang="en-US" altLang="zh-TW" dirty="0" err="1">
+                <a:latin typeface="微軟正黑體" panose="020B0604030504040204" pitchFamily="34" charset="-120"/>
+                <a:ea typeface="微軟正黑體" panose="020B0604030504040204" pitchFamily="34" charset="-120"/>
+              </a:rPr>
+              <a:t>Rcs</a:t>
+            </a:r>
+            <a:r>
+              <a:rPr lang="en-US" altLang="zh-TW" dirty="0">
+                <a:latin typeface="微軟正黑體" panose="020B0604030504040204" pitchFamily="34" charset="-120"/>
+                <a:ea typeface="微軟正黑體" panose="020B0604030504040204" pitchFamily="34" charset="-120"/>
+              </a:rPr>
+              <a:t> </a:t>
+            </a:r>
+            <a:endParaRPr lang="zh-TW" altLang="en-US" dirty="0">
+              <a:latin typeface="微軟正黑體" panose="020B0604030504040204" pitchFamily="34" charset="-120"/>
+              <a:ea typeface="微軟正黑體" panose="020B0604030504040204" pitchFamily="34" charset="-120"/>
+            </a:endParaRPr>
+          </a:p>
+        </p:txBody>
+      </p:sp>
       <p:pic>
         <p:nvPicPr>
-          <p:cNvPr id="5" name="圖片 4" descr="一張含有 文字, 字型, 螢幕擷取畫面, 白色 的圖片&#10;&#10;AI 產生的內容可能不正確。">
-            <a:extLst>
-              <a:ext uri="{FF2B5EF4-FFF2-40B4-BE49-F238E27FC236}">
-                <a16:creationId xmlns:a16="http://schemas.microsoft.com/office/drawing/2014/main" id="{236FA713-1655-E4AA-920D-C5BAB934F95A}"/>
+          <p:cNvPr id="6" name="圖片 5" descr="一張含有 文字, 螢幕擷取畫面, 字型, 軟體 的圖片&#10;&#10;AI 產生的內容可能不正確。">
+            <a:extLst>
+              <a:ext uri="{FF2B5EF4-FFF2-40B4-BE49-F238E27FC236}">
+                <a16:creationId xmlns:a16="http://schemas.microsoft.com/office/drawing/2014/main" id="{EE68B86C-F3D3-8220-5650-F673FD5A317C}"/>
               </a:ext>
             </a:extLst>
           </p:cNvPr>
@@ -3364,8 +3684,38 @@
         </p:blipFill>
         <p:spPr>
           <a:xfrm>
-            <a:off x="687618" y="902269"/>
-            <a:ext cx="9984931" cy="3620035"/>
+            <a:off x="311042" y="2669086"/>
+            <a:ext cx="8468907" cy="2772162"/>
+          </a:xfrm>
+          <a:prstGeom prst="rect">
+            <a:avLst/>
+          </a:prstGeom>
+        </p:spPr>
+      </p:pic>
+      <p:pic>
+        <p:nvPicPr>
+          <p:cNvPr id="8" name="圖片 7" descr="一張含有 文字, 螢幕擷取畫面, 軟體, 多媒體軟體 的圖片&#10;&#10;AI 產生的內容可能不正確。">
+            <a:extLst>
+              <a:ext uri="{FF2B5EF4-FFF2-40B4-BE49-F238E27FC236}">
+                <a16:creationId xmlns:a16="http://schemas.microsoft.com/office/drawing/2014/main" id="{630434A7-3C78-1BB2-0FA0-D0153C6780A9}"/>
+              </a:ext>
+            </a:extLst>
+          </p:cNvPr>
+          <p:cNvPicPr>
+            <a:picLocks noChangeAspect="1"/>
+          </p:cNvPicPr>
+          <p:nvPr/>
+        </p:nvPicPr>
+        <p:blipFill>
+          <a:blip r:embed="rId3"/>
+          <a:stretch>
+            <a:fillRect/>
+          </a:stretch>
+        </p:blipFill>
+        <p:spPr>
+          <a:xfrm>
+            <a:off x="8542219" y="3637722"/>
+            <a:ext cx="3816864" cy="3220278"/>
           </a:xfrm>
           <a:prstGeom prst="rect">
             <a:avLst/>
@@ -3375,7 +3725,7 @@
     </p:spTree>
     <p:extLst>
       <p:ext uri="{BB962C8B-B14F-4D97-AF65-F5344CB8AC3E}">
-        <p14:creationId xmlns:p14="http://schemas.microsoft.com/office/powerpoint/2010/main" val="3377977737"/>
+        <p14:creationId xmlns:p14="http://schemas.microsoft.com/office/powerpoint/2010/main" val="1802062874"/>
       </p:ext>
     </p:extLst>
   </p:cSld>
@@ -3386,6 +3736,86 @@
 </file>
 
 <file path=ppt/slides/slide10.xml><?xml version="1.0" encoding="utf-8"?>
+<p:sld xmlns:a="http://schemas.openxmlformats.org/drawingml/2006/main" xmlns:r="http://schemas.openxmlformats.org/officeDocument/2006/relationships" xmlns:p="http://schemas.openxmlformats.org/presentationml/2006/main">
+  <p:cSld>
+    <p:spTree>
+      <p:nvGrpSpPr>
+        <p:cNvPr id="1" name=""/>
+        <p:cNvGrpSpPr/>
+        <p:nvPr/>
+      </p:nvGrpSpPr>
+      <p:grpSpPr>
+        <a:xfrm>
+          <a:off x="0" y="0"/>
+          <a:ext cx="0" cy="0"/>
+          <a:chOff x="0" y="0"/>
+          <a:chExt cx="0" cy="0"/>
+        </a:xfrm>
+      </p:grpSpPr>
+      <p:sp>
+        <p:nvSpPr>
+          <p:cNvPr id="2" name="標題 1">
+            <a:extLst>
+              <a:ext uri="{FF2B5EF4-FFF2-40B4-BE49-F238E27FC236}">
+                <a16:creationId xmlns:a16="http://schemas.microsoft.com/office/drawing/2014/main" id="{F0BA80EA-6627-483D-EDC1-D46D6CF77AF9}"/>
+              </a:ext>
+            </a:extLst>
+          </p:cNvPr>
+          <p:cNvSpPr>
+            <a:spLocks noGrp="1"/>
+          </p:cNvSpPr>
+          <p:nvPr>
+            <p:ph type="title"/>
+          </p:nvPr>
+        </p:nvSpPr>
+        <p:spPr/>
+        <p:txBody>
+          <a:bodyPr/>
+          <a:lstStyle/>
+          <a:p>
+            <a:endParaRPr lang="zh-TW" altLang="en-US"/>
+          </a:p>
+        </p:txBody>
+      </p:sp>
+      <p:sp>
+        <p:nvSpPr>
+          <p:cNvPr id="3" name="內容版面配置區 2">
+            <a:extLst>
+              <a:ext uri="{FF2B5EF4-FFF2-40B4-BE49-F238E27FC236}">
+                <a16:creationId xmlns:a16="http://schemas.microsoft.com/office/drawing/2014/main" id="{E1D0B924-EF86-8425-ADB7-46442BCB2783}"/>
+              </a:ext>
+            </a:extLst>
+          </p:cNvPr>
+          <p:cNvSpPr>
+            <a:spLocks noGrp="1"/>
+          </p:cNvSpPr>
+          <p:nvPr>
+            <p:ph idx="1"/>
+          </p:nvPr>
+        </p:nvSpPr>
+        <p:spPr/>
+        <p:txBody>
+          <a:bodyPr/>
+          <a:lstStyle/>
+          <a:p>
+            <a:endParaRPr lang="zh-TW" altLang="en-US"/>
+          </a:p>
+        </p:txBody>
+      </p:sp>
+    </p:spTree>
+    <p:extLst>
+      <p:ext uri="{BB962C8B-B14F-4D97-AF65-F5344CB8AC3E}">
+        <p14:creationId xmlns:p14="http://schemas.microsoft.com/office/powerpoint/2010/main" val="3187788368"/>
+      </p:ext>
+    </p:extLst>
+  </p:cSld>
+  <p:clrMapOvr>
+    <a:masterClrMapping/>
+  </p:clrMapOvr>
+</p:sld>
+</file>
+
+<file path=ppt/slides/slide11.xml><?xml version="1.0" encoding="utf-8"?>
 <p:sld xmlns:a="http://schemas.openxmlformats.org/drawingml/2006/main" xmlns:r="http://schemas.openxmlformats.org/officeDocument/2006/relationships" xmlns:p="http://schemas.openxmlformats.org/presentationml/2006/main">
   <p:cSld>
     <p:spTree>
@@ -3451,7 +3881,7 @@
 </p:sld>
 </file>
 
-<file path=ppt/slides/slide11.xml><?xml version="1.0" encoding="utf-8"?>
+<file path=ppt/slides/slide12.xml><?xml version="1.0" encoding="utf-8"?>
 <p:sld xmlns:a="http://schemas.openxmlformats.org/drawingml/2006/main" xmlns:r="http://schemas.openxmlformats.org/officeDocument/2006/relationships" xmlns:p="http://schemas.openxmlformats.org/presentationml/2006/main">
   <p:cSld>
     <p:spTree>
@@ -3577,7 +4007,7 @@
 </p:sld>
 </file>
 
-<file path=ppt/slides/slide12.xml><?xml version="1.0" encoding="utf-8"?>
+<file path=ppt/slides/slide13.xml><?xml version="1.0" encoding="utf-8"?>
 <p:sld xmlns:a="http://schemas.openxmlformats.org/drawingml/2006/main" xmlns:r="http://schemas.openxmlformats.org/officeDocument/2006/relationships" xmlns:p="http://schemas.openxmlformats.org/presentationml/2006/main">
   <p:cSld>
     <p:spTree>
@@ -3673,7 +4103,7 @@
 </p:sld>
 </file>
 
-<file path=ppt/slides/slide13.xml><?xml version="1.0" encoding="utf-8"?>
+<file path=ppt/slides/slide14.xml><?xml version="1.0" encoding="utf-8"?>
 <p:sld xmlns:a="http://schemas.openxmlformats.org/drawingml/2006/main" xmlns:r="http://schemas.openxmlformats.org/officeDocument/2006/relationships" xmlns:p="http://schemas.openxmlformats.org/presentationml/2006/main">
   <p:cSld>
     <p:spTree>
@@ -3739,7 +4169,7 @@
 </p:sld>
 </file>
 
-<file path=ppt/slides/slide14.xml><?xml version="1.0" encoding="utf-8"?>
+<file path=ppt/slides/slide15.xml><?xml version="1.0" encoding="utf-8"?>
 <p:sld xmlns:a="http://schemas.openxmlformats.org/drawingml/2006/main" xmlns:r="http://schemas.openxmlformats.org/officeDocument/2006/relationships" xmlns:p="http://schemas.openxmlformats.org/presentationml/2006/main">
   <p:cSld>
     <p:spTree>
@@ -3805,7 +4235,7 @@
 </p:sld>
 </file>
 
-<file path=ppt/slides/slide15.xml><?xml version="1.0" encoding="utf-8"?>
+<file path=ppt/slides/slide16.xml><?xml version="1.0" encoding="utf-8"?>
 <p:sld xmlns:a="http://schemas.openxmlformats.org/drawingml/2006/main" xmlns:r="http://schemas.openxmlformats.org/officeDocument/2006/relationships" xmlns:p="http://schemas.openxmlformats.org/presentationml/2006/main">
   <p:cSld>
     <p:spTree>
@@ -3901,7 +4331,7 @@
 </p:sld>
 </file>
 
-<file path=ppt/slides/slide16.xml><?xml version="1.0" encoding="utf-8"?>
+<file path=ppt/slides/slide17.xml><?xml version="1.0" encoding="utf-8"?>
 <p:sld xmlns:a="http://schemas.openxmlformats.org/drawingml/2006/main" xmlns:r="http://schemas.openxmlformats.org/officeDocument/2006/relationships" xmlns:p="http://schemas.openxmlformats.org/presentationml/2006/main">
   <p:cSld>
     <p:spTree>
@@ -3967,7 +4397,7 @@
 </p:sld>
 </file>
 
-<file path=ppt/slides/slide17.xml><?xml version="1.0" encoding="utf-8"?>
+<file path=ppt/slides/slide18.xml><?xml version="1.0" encoding="utf-8"?>
 <p:sld xmlns:a="http://schemas.openxmlformats.org/drawingml/2006/main" xmlns:r="http://schemas.openxmlformats.org/officeDocument/2006/relationships" xmlns:p="http://schemas.openxmlformats.org/presentationml/2006/main">
   <p:cSld>
     <p:spTree>
@@ -4008,6 +4438,66 @@
   <p:cSld>
     <p:spTree>
       <p:nvGrpSpPr>
+        <p:cNvPr id="1" name=""/>
+        <p:cNvGrpSpPr/>
+        <p:nvPr/>
+      </p:nvGrpSpPr>
+      <p:grpSpPr>
+        <a:xfrm>
+          <a:off x="0" y="0"/>
+          <a:ext cx="0" cy="0"/>
+          <a:chOff x="0" y="0"/>
+          <a:chExt cx="0" cy="0"/>
+        </a:xfrm>
+      </p:grpSpPr>
+      <p:pic>
+        <p:nvPicPr>
+          <p:cNvPr id="5" name="圖片 4" descr="一張含有 文字, 字型, 螢幕擷取畫面, 白色 的圖片&#10;&#10;AI 產生的內容可能不正確。">
+            <a:extLst>
+              <a:ext uri="{FF2B5EF4-FFF2-40B4-BE49-F238E27FC236}">
+                <a16:creationId xmlns:a16="http://schemas.microsoft.com/office/drawing/2014/main" id="{236FA713-1655-E4AA-920D-C5BAB934F95A}"/>
+              </a:ext>
+            </a:extLst>
+          </p:cNvPr>
+          <p:cNvPicPr>
+            <a:picLocks noChangeAspect="1"/>
+          </p:cNvPicPr>
+          <p:nvPr/>
+        </p:nvPicPr>
+        <p:blipFill>
+          <a:blip r:embed="rId2"/>
+          <a:stretch>
+            <a:fillRect/>
+          </a:stretch>
+        </p:blipFill>
+        <p:spPr>
+          <a:xfrm>
+            <a:off x="687618" y="902269"/>
+            <a:ext cx="9984931" cy="3620035"/>
+          </a:xfrm>
+          <a:prstGeom prst="rect">
+            <a:avLst/>
+          </a:prstGeom>
+        </p:spPr>
+      </p:pic>
+    </p:spTree>
+    <p:extLst>
+      <p:ext uri="{BB962C8B-B14F-4D97-AF65-F5344CB8AC3E}">
+        <p14:creationId xmlns:p14="http://schemas.microsoft.com/office/powerpoint/2010/main" val="3377977737"/>
+      </p:ext>
+    </p:extLst>
+  </p:cSld>
+  <p:clrMapOvr>
+    <a:masterClrMapping/>
+  </p:clrMapOvr>
+</p:sld>
+</file>
+
+<file path=ppt/slides/slide3.xml><?xml version="1.0" encoding="utf-8"?>
+<p:sld xmlns:a="http://schemas.openxmlformats.org/drawingml/2006/main" xmlns:r="http://schemas.openxmlformats.org/officeDocument/2006/relationships" xmlns:p="http://schemas.openxmlformats.org/presentationml/2006/main">
+  <p:cSld>
+    <p:spTree>
+      <p:nvGrpSpPr>
         <p:cNvPr id="1" name="">
           <a:extLst>
             <a:ext uri="{FF2B5EF4-FFF2-40B4-BE49-F238E27FC236}">
@@ -4099,7 +4589,7 @@
 </p:sld>
 </file>
 
-<file path=ppt/slides/slide3.xml><?xml version="1.0" encoding="utf-8"?>
+<file path=ppt/slides/slide4.xml><?xml version="1.0" encoding="utf-8"?>
 <p:sld xmlns:a="http://schemas.openxmlformats.org/drawingml/2006/main" xmlns:r="http://schemas.openxmlformats.org/officeDocument/2006/relationships" xmlns:p="http://schemas.openxmlformats.org/presentationml/2006/main">
   <p:cSld>
     <p:spTree>
@@ -4195,7 +4685,7 @@
 </p:sld>
 </file>
 
-<file path=ppt/slides/slide4.xml><?xml version="1.0" encoding="utf-8"?>
+<file path=ppt/slides/slide5.xml><?xml version="1.0" encoding="utf-8"?>
 <p:sld xmlns:a="http://schemas.openxmlformats.org/drawingml/2006/main" xmlns:r="http://schemas.openxmlformats.org/officeDocument/2006/relationships" xmlns:p="http://schemas.openxmlformats.org/presentationml/2006/main">
   <p:cSld>
     <p:spTree>
@@ -4261,7 +4751,7 @@
 </p:sld>
 </file>
 
-<file path=ppt/slides/slide5.xml><?xml version="1.0" encoding="utf-8"?>
+<file path=ppt/slides/slide6.xml><?xml version="1.0" encoding="utf-8"?>
 <p:sld xmlns:a="http://schemas.openxmlformats.org/drawingml/2006/main" xmlns:r="http://schemas.openxmlformats.org/officeDocument/2006/relationships" xmlns:p="http://schemas.openxmlformats.org/presentationml/2006/main">
   <p:cSld>
     <p:spTree>
@@ -4327,7 +4817,7 @@
 </p:sld>
 </file>
 
-<file path=ppt/slides/slide6.xml><?xml version="1.0" encoding="utf-8"?>
+<file path=ppt/slides/slide7.xml><?xml version="1.0" encoding="utf-8"?>
 <p:sld xmlns:a="http://schemas.openxmlformats.org/drawingml/2006/main" xmlns:r="http://schemas.openxmlformats.org/officeDocument/2006/relationships" xmlns:p="http://schemas.openxmlformats.org/presentationml/2006/main">
   <p:cSld>
     <p:spTree>
@@ -4393,7 +4883,7 @@
 </p:sld>
 </file>
 
-<file path=ppt/slides/slide7.xml><?xml version="1.0" encoding="utf-8"?>
+<file path=ppt/slides/slide8.xml><?xml version="1.0" encoding="utf-8"?>
 <p:sld xmlns:a="http://schemas.openxmlformats.org/drawingml/2006/main" xmlns:r="http://schemas.openxmlformats.org/officeDocument/2006/relationships" xmlns:p="http://schemas.openxmlformats.org/presentationml/2006/main">
   <p:cSld>
     <p:spTree>
@@ -4459,7 +4949,7 @@
 </p:sld>
 </file>
 
-<file path=ppt/slides/slide8.xml><?xml version="1.0" encoding="utf-8"?>
+<file path=ppt/slides/slide9.xml><?xml version="1.0" encoding="utf-8"?>
 <p:sld xmlns:a="http://schemas.openxmlformats.org/drawingml/2006/main" xmlns:r="http://schemas.openxmlformats.org/officeDocument/2006/relationships" xmlns:p="http://schemas.openxmlformats.org/presentationml/2006/main">
   <p:cSld>
     <p:spTree>
@@ -4606,86 +5096,6 @@
     <p:extLst>
       <p:ext uri="{BB962C8B-B14F-4D97-AF65-F5344CB8AC3E}">
         <p14:creationId xmlns:p14="http://schemas.microsoft.com/office/powerpoint/2010/main" val="4175647951"/>
-      </p:ext>
-    </p:extLst>
-  </p:cSld>
-  <p:clrMapOvr>
-    <a:masterClrMapping/>
-  </p:clrMapOvr>
-</p:sld>
-</file>
-
-<file path=ppt/slides/slide9.xml><?xml version="1.0" encoding="utf-8"?>
-<p:sld xmlns:a="http://schemas.openxmlformats.org/drawingml/2006/main" xmlns:r="http://schemas.openxmlformats.org/officeDocument/2006/relationships" xmlns:p="http://schemas.openxmlformats.org/presentationml/2006/main">
-  <p:cSld>
-    <p:spTree>
-      <p:nvGrpSpPr>
-        <p:cNvPr id="1" name=""/>
-        <p:cNvGrpSpPr/>
-        <p:nvPr/>
-      </p:nvGrpSpPr>
-      <p:grpSpPr>
-        <a:xfrm>
-          <a:off x="0" y="0"/>
-          <a:ext cx="0" cy="0"/>
-          <a:chOff x="0" y="0"/>
-          <a:chExt cx="0" cy="0"/>
-        </a:xfrm>
-      </p:grpSpPr>
-      <p:sp>
-        <p:nvSpPr>
-          <p:cNvPr id="2" name="標題 1">
-            <a:extLst>
-              <a:ext uri="{FF2B5EF4-FFF2-40B4-BE49-F238E27FC236}">
-                <a16:creationId xmlns:a16="http://schemas.microsoft.com/office/drawing/2014/main" id="{F0BA80EA-6627-483D-EDC1-D46D6CF77AF9}"/>
-              </a:ext>
-            </a:extLst>
-          </p:cNvPr>
-          <p:cNvSpPr>
-            <a:spLocks noGrp="1"/>
-          </p:cNvSpPr>
-          <p:nvPr>
-            <p:ph type="title"/>
-          </p:nvPr>
-        </p:nvSpPr>
-        <p:spPr/>
-        <p:txBody>
-          <a:bodyPr/>
-          <a:lstStyle/>
-          <a:p>
-            <a:endParaRPr lang="zh-TW" altLang="en-US"/>
-          </a:p>
-        </p:txBody>
-      </p:sp>
-      <p:sp>
-        <p:nvSpPr>
-          <p:cNvPr id="3" name="內容版面配置區 2">
-            <a:extLst>
-              <a:ext uri="{FF2B5EF4-FFF2-40B4-BE49-F238E27FC236}">
-                <a16:creationId xmlns:a16="http://schemas.microsoft.com/office/drawing/2014/main" id="{E1D0B924-EF86-8425-ADB7-46442BCB2783}"/>
-              </a:ext>
-            </a:extLst>
-          </p:cNvPr>
-          <p:cNvSpPr>
-            <a:spLocks noGrp="1"/>
-          </p:cNvSpPr>
-          <p:nvPr>
-            <p:ph idx="1"/>
-          </p:nvPr>
-        </p:nvSpPr>
-        <p:spPr/>
-        <p:txBody>
-          <a:bodyPr/>
-          <a:lstStyle/>
-          <a:p>
-            <a:endParaRPr lang="zh-TW" altLang="en-US"/>
-          </a:p>
-        </p:txBody>
-      </p:sp>
-    </p:spTree>
-    <p:extLst>
-      <p:ext uri="{BB962C8B-B14F-4D97-AF65-F5344CB8AC3E}">
-        <p14:creationId xmlns:p14="http://schemas.microsoft.com/office/powerpoint/2010/main" val="3187788368"/>
       </p:ext>
     </p:extLst>
   </p:cSld>
